--- a/304-함수와 스코프/304-1.함수.pptx
+++ b/304-함수와 스코프/304-1.함수.pptx
@@ -267,7 +267,7 @@
           <a:p>
             <a:fld id="{427B39F9-24EE-4FB4-AEB2-4491C12D7E02}" type="datetimeFigureOut">
               <a:rPr lang="ko-KR" altLang="en-US" smtClean="0"/>
-              <a:t>2023-05-22</a:t>
+              <a:t>2023-05-25</a:t>
             </a:fld>
             <a:endParaRPr lang="ko-KR" altLang="en-US"/>
           </a:p>
@@ -766,7 +766,7 @@
           <a:p>
             <a:fld id="{8CD0E26D-FED5-4ECA-8BF9-FF38484773C2}" type="datetimeFigureOut">
               <a:rPr lang="ko-KR" altLang="en-US" smtClean="0"/>
-              <a:t>2023-05-22</a:t>
+              <a:t>2023-05-25</a:t>
             </a:fld>
             <a:endParaRPr lang="ko-KR" altLang="en-US"/>
           </a:p>
@@ -964,7 +964,7 @@
           <a:p>
             <a:fld id="{8CD0E26D-FED5-4ECA-8BF9-FF38484773C2}" type="datetimeFigureOut">
               <a:rPr lang="ko-KR" altLang="en-US" smtClean="0"/>
-              <a:t>2023-05-22</a:t>
+              <a:t>2023-05-25</a:t>
             </a:fld>
             <a:endParaRPr lang="ko-KR" altLang="en-US"/>
           </a:p>
@@ -1172,7 +1172,7 @@
           <a:p>
             <a:fld id="{8CD0E26D-FED5-4ECA-8BF9-FF38484773C2}" type="datetimeFigureOut">
               <a:rPr lang="ko-KR" altLang="en-US" smtClean="0"/>
-              <a:t>2023-05-22</a:t>
+              <a:t>2023-05-25</a:t>
             </a:fld>
             <a:endParaRPr lang="ko-KR" altLang="en-US"/>
           </a:p>
@@ -1370,7 +1370,7 @@
           <a:p>
             <a:fld id="{8CD0E26D-FED5-4ECA-8BF9-FF38484773C2}" type="datetimeFigureOut">
               <a:rPr lang="ko-KR" altLang="en-US" smtClean="0"/>
-              <a:t>2023-05-22</a:t>
+              <a:t>2023-05-25</a:t>
             </a:fld>
             <a:endParaRPr lang="ko-KR" altLang="en-US"/>
           </a:p>
@@ -1645,7 +1645,7 @@
           <a:p>
             <a:fld id="{8CD0E26D-FED5-4ECA-8BF9-FF38484773C2}" type="datetimeFigureOut">
               <a:rPr lang="ko-KR" altLang="en-US" smtClean="0"/>
-              <a:t>2023-05-22</a:t>
+              <a:t>2023-05-25</a:t>
             </a:fld>
             <a:endParaRPr lang="ko-KR" altLang="en-US"/>
           </a:p>
@@ -1910,7 +1910,7 @@
           <a:p>
             <a:fld id="{8CD0E26D-FED5-4ECA-8BF9-FF38484773C2}" type="datetimeFigureOut">
               <a:rPr lang="ko-KR" altLang="en-US" smtClean="0"/>
-              <a:t>2023-05-22</a:t>
+              <a:t>2023-05-25</a:t>
             </a:fld>
             <a:endParaRPr lang="ko-KR" altLang="en-US"/>
           </a:p>
@@ -2322,7 +2322,7 @@
           <a:p>
             <a:fld id="{8CD0E26D-FED5-4ECA-8BF9-FF38484773C2}" type="datetimeFigureOut">
               <a:rPr lang="ko-KR" altLang="en-US" smtClean="0"/>
-              <a:t>2023-05-22</a:t>
+              <a:t>2023-05-25</a:t>
             </a:fld>
             <a:endParaRPr lang="ko-KR" altLang="en-US"/>
           </a:p>
@@ -2463,7 +2463,7 @@
           <a:p>
             <a:fld id="{8CD0E26D-FED5-4ECA-8BF9-FF38484773C2}" type="datetimeFigureOut">
               <a:rPr lang="ko-KR" altLang="en-US" smtClean="0"/>
-              <a:t>2023-05-22</a:t>
+              <a:t>2023-05-25</a:t>
             </a:fld>
             <a:endParaRPr lang="ko-KR" altLang="en-US"/>
           </a:p>
@@ -2576,7 +2576,7 @@
           <a:p>
             <a:fld id="{8CD0E26D-FED5-4ECA-8BF9-FF38484773C2}" type="datetimeFigureOut">
               <a:rPr lang="ko-KR" altLang="en-US" smtClean="0"/>
-              <a:t>2023-05-22</a:t>
+              <a:t>2023-05-25</a:t>
             </a:fld>
             <a:endParaRPr lang="ko-KR" altLang="en-US"/>
           </a:p>
@@ -2887,7 +2887,7 @@
           <a:p>
             <a:fld id="{8CD0E26D-FED5-4ECA-8BF9-FF38484773C2}" type="datetimeFigureOut">
               <a:rPr lang="ko-KR" altLang="en-US" smtClean="0"/>
-              <a:t>2023-05-22</a:t>
+              <a:t>2023-05-25</a:t>
             </a:fld>
             <a:endParaRPr lang="ko-KR" altLang="en-US"/>
           </a:p>
@@ -3175,7 +3175,7 @@
           <a:p>
             <a:fld id="{8CD0E26D-FED5-4ECA-8BF9-FF38484773C2}" type="datetimeFigureOut">
               <a:rPr lang="ko-KR" altLang="en-US" smtClean="0"/>
-              <a:t>2023-05-22</a:t>
+              <a:t>2023-05-25</a:t>
             </a:fld>
             <a:endParaRPr lang="ko-KR" altLang="en-US"/>
           </a:p>
@@ -3416,7 +3416,7 @@
           <a:p>
             <a:fld id="{8CD0E26D-FED5-4ECA-8BF9-FF38484773C2}" type="datetimeFigureOut">
               <a:rPr lang="ko-KR" altLang="en-US" smtClean="0"/>
-              <a:t>2023-05-22</a:t>
+              <a:t>2023-05-25</a:t>
             </a:fld>
             <a:endParaRPr lang="ko-KR" altLang="en-US"/>
           </a:p>
@@ -21847,8 +21847,8 @@
         </p:blipFill>
         <p:spPr>
           <a:xfrm>
-            <a:off x="1765088" y="2276872"/>
-            <a:ext cx="8665650" cy="2808312"/>
+            <a:off x="409816" y="1324371"/>
+            <a:ext cx="11499222" cy="3726599"/>
           </a:xfrm>
           <a:prstGeom prst="rect">
             <a:avLst/>
@@ -25680,15 +25680,24 @@
           </a:lstStyle>
           <a:p>
             <a:r>
-              <a:rPr lang="ko-KR" altLang="en-US">
+              <a:rPr lang="ko-KR" altLang="en-US" dirty="0">
                 <a:solidFill>
                   <a:srgbClr val="000000"/>
                 </a:solidFill>
                 <a:latin typeface="+mn-ea"/>
               </a:rPr>
-              <a:t>매개변수와 리턴값</a:t>
-            </a:r>
-            <a:endParaRPr lang="en-US" altLang="ko-KR">
+              <a:t>매개변수와 </a:t>
+            </a:r>
+            <a:r>
+              <a:rPr lang="ko-KR" altLang="en-US" dirty="0" err="1">
+                <a:solidFill>
+                  <a:srgbClr val="000000"/>
+                </a:solidFill>
+                <a:latin typeface="+mn-ea"/>
+              </a:rPr>
+              <a:t>리턴값</a:t>
+            </a:r>
+            <a:endParaRPr lang="en-US" altLang="ko-KR" dirty="0">
               <a:solidFill>
                 <a:srgbClr val="000000"/>
               </a:solidFill>
@@ -25698,7 +25707,7 @@
           <a:p>
             <a:pPr lvl="1"/>
             <a:r>
-              <a:rPr lang="en-US" altLang="ko-KR" sz="1600">
+              <a:rPr lang="en-US" altLang="ko-KR" sz="1600" dirty="0">
                 <a:solidFill>
                   <a:srgbClr val="000000"/>
                 </a:solidFill>
@@ -25707,15 +25716,24 @@
               <a:t>prompt() </a:t>
             </a:r>
             <a:r>
-              <a:rPr lang="ko-KR" altLang="en-US" sz="1600">
+              <a:rPr lang="ko-KR" altLang="en-US" sz="1600" dirty="0">
                 <a:solidFill>
                   <a:srgbClr val="000000"/>
                 </a:solidFill>
                 <a:latin typeface="+mn-ea"/>
               </a:rPr>
-              <a:t>함수의 매개변수와 리턴값</a:t>
-            </a:r>
-            <a:endParaRPr lang="en-US" altLang="ko-KR" sz="1600">
+              <a:t>함수의 매개변수와 </a:t>
+            </a:r>
+            <a:r>
+              <a:rPr lang="ko-KR" altLang="en-US" sz="1600" dirty="0" err="1">
+                <a:solidFill>
+                  <a:srgbClr val="000000"/>
+                </a:solidFill>
+                <a:latin typeface="+mn-ea"/>
+              </a:rPr>
+              <a:t>리턴값</a:t>
+            </a:r>
+            <a:endParaRPr lang="en-US" altLang="ko-KR" sz="1600" dirty="0">
               <a:solidFill>
                 <a:srgbClr val="000000"/>
               </a:solidFill>
@@ -25724,7 +25742,7 @@
           </a:p>
           <a:p>
             <a:pPr lvl="1"/>
-            <a:endParaRPr lang="en-US" altLang="ko-KR" sz="1600">
+            <a:endParaRPr lang="en-US" altLang="ko-KR" sz="1600" dirty="0">
               <a:solidFill>
                 <a:srgbClr val="000000"/>
               </a:solidFill>
@@ -25733,7 +25751,7 @@
           </a:p>
           <a:p>
             <a:pPr lvl="1"/>
-            <a:endParaRPr lang="en-US" altLang="ko-KR" sz="1600">
+            <a:endParaRPr lang="en-US" altLang="ko-KR" sz="1600" dirty="0">
               <a:solidFill>
                 <a:srgbClr val="000000"/>
               </a:solidFill>
@@ -25742,16 +25760,7 @@
           </a:p>
           <a:p>
             <a:pPr lvl="1"/>
-            <a:r>
-              <a:rPr lang="ko-KR" altLang="en-US" sz="1600">
-                <a:solidFill>
-                  <a:srgbClr val="000000"/>
-                </a:solidFill>
-                <a:latin typeface="+mn-ea"/>
-              </a:rPr>
-              <a:t>사용자 정의 함수의 매개변수와 리턴값</a:t>
-            </a:r>
-            <a:endParaRPr lang="en-US" altLang="ko-KR" sz="1600">
+            <a:endParaRPr lang="en-US" altLang="ko-KR" sz="1600" dirty="0">
               <a:solidFill>
                 <a:srgbClr val="000000"/>
               </a:solidFill>
@@ -25760,7 +25769,25 @@
           </a:p>
           <a:p>
             <a:pPr lvl="1"/>
-            <a:endParaRPr lang="en-US" altLang="ko-KR" sz="1600">
+            <a:r>
+              <a:rPr lang="ko-KR" altLang="en-US" sz="1600" dirty="0">
+                <a:solidFill>
+                  <a:srgbClr val="000000"/>
+                </a:solidFill>
+                <a:latin typeface="+mn-ea"/>
+              </a:rPr>
+              <a:t>사용자 정의 함수의 매개변수와 </a:t>
+            </a:r>
+            <a:r>
+              <a:rPr lang="ko-KR" altLang="en-US" sz="1600" dirty="0" err="1">
+                <a:solidFill>
+                  <a:srgbClr val="000000"/>
+                </a:solidFill>
+                <a:latin typeface="+mn-ea"/>
+              </a:rPr>
+              <a:t>리턴값</a:t>
+            </a:r>
+            <a:endParaRPr lang="en-US" altLang="ko-KR" sz="1600" dirty="0">
               <a:solidFill>
                 <a:srgbClr val="000000"/>
               </a:solidFill>
@@ -25769,7 +25796,7 @@
           </a:p>
           <a:p>
             <a:pPr lvl="1"/>
-            <a:endParaRPr lang="en-US" altLang="ko-KR" sz="1600">
+            <a:endParaRPr lang="en-US" altLang="ko-KR" sz="1600" dirty="0">
               <a:solidFill>
                 <a:srgbClr val="000000"/>
               </a:solidFill>
@@ -25778,14 +25805,50 @@
           </a:p>
           <a:p>
             <a:pPr lvl="1"/>
-            <a:r>
-              <a:rPr lang="ko-KR" altLang="en-US" sz="1600">
+            <a:endParaRPr lang="en-US" altLang="ko-KR" sz="1600" dirty="0">
+              <a:solidFill>
+                <a:srgbClr val="000000"/>
+              </a:solidFill>
+              <a:latin typeface="+mn-ea"/>
+            </a:endParaRPr>
+          </a:p>
+          <a:p>
+            <a:pPr lvl="1"/>
+            <a:endParaRPr lang="en-US" altLang="ko-KR" sz="1600" dirty="0">
+              <a:solidFill>
+                <a:srgbClr val="000000"/>
+              </a:solidFill>
+              <a:latin typeface="+mn-ea"/>
+            </a:endParaRPr>
+          </a:p>
+          <a:p>
+            <a:pPr lvl="1"/>
+            <a:r>
+              <a:rPr lang="ko-KR" altLang="en-US" sz="1600" dirty="0">
                 <a:solidFill>
                   <a:srgbClr val="000000"/>
                 </a:solidFill>
                 <a:latin typeface="+mn-ea"/>
               </a:rPr>
-              <a:t>매개변수와 리턴값을 갖는 함수</a:t>
+              <a:t>매개변수와 </a:t>
+            </a:r>
+            <a:r>
+              <a:rPr lang="ko-KR" altLang="en-US" sz="1600" dirty="0" err="1">
+                <a:solidFill>
+                  <a:srgbClr val="000000"/>
+                </a:solidFill>
+                <a:latin typeface="+mn-ea"/>
+              </a:rPr>
+              <a:t>리턴값을</a:t>
+            </a:r>
+            <a:r>
+              <a:rPr lang="ko-KR" altLang="en-US" sz="1600" dirty="0">
+                <a:solidFill>
+                  <a:srgbClr val="000000"/>
+                </a:solidFill>
+                <a:latin typeface="+mn-ea"/>
+              </a:rPr>
+              <a:t> 갖는 함수</a:t>
             </a:r>
             <a:endParaRPr lang="en-US" altLang="ko-KR" sz="1600" dirty="0">
               <a:solidFill>
